--- a/ppt/002.pptx
+++ b/ppt/002.pptx
@@ -11,18 +11,23 @@
     <p:sldId id="256" r:id="rId6"/>
     <p:sldId id="257" r:id="rId7"/>
     <p:sldId id="258" r:id="rId8"/>
+    <p:sldId id="259" r:id="rId9"/>
+    <p:sldId id="260" r:id="rId10"/>
+    <p:sldId id="261" r:id="rId11"/>
+    <p:sldId id="262" r:id="rId12"/>
+    <p:sldId id="263" r:id="rId13"/>
   </p:sldIdLst>
   <p:sldSz cy="5143500" cx="9144000"/>
   <p:notesSz cx="6858000" cy="9144000"/>
   <p:embeddedFontLst>
     <p:embeddedFont>
       <p:font typeface="Average"/>
-      <p:regular r:id="rId9"/>
+      <p:regular r:id="rId14"/>
     </p:embeddedFont>
     <p:embeddedFont>
       <p:font typeface="Oswald"/>
-      <p:regular r:id="rId10"/>
-      <p:bold r:id="rId11"/>
+      <p:regular r:id="rId15"/>
+      <p:bold r:id="rId16"/>
     </p:embeddedFont>
   </p:embeddedFontLst>
   <p:defaultTextStyle>
@@ -952,6 +957,501 @@
       <p:sp>
         <p:nvSpPr>
           <p:cNvPr id="74" name="Google Shape;74;g14ffb585839_0_42:notes"/>
+          <p:cNvSpPr txBox="1"/>
+          <p:nvPr>
+            <p:ph idx="1" type="body"/>
+          </p:nvPr>
+        </p:nvSpPr>
+        <p:spPr>
+          <a:xfrm>
+            <a:off x="685800" y="4343400"/>
+            <a:ext cx="5486400" cy="4114800"/>
+          </a:xfrm>
+          <a:prstGeom prst="rect">
+            <a:avLst/>
+          </a:prstGeom>
+        </p:spPr>
+        <p:txBody>
+          <a:bodyPr anchorCtr="0" anchor="t" bIns="91425" lIns="91425" spcFirstLastPara="1" rIns="91425" wrap="square" tIns="91425">
+            <a:noAutofit/>
+          </a:bodyPr>
+          <a:lstStyle/>
+          <a:p>
+            <a:pPr indent="0" lvl="0" marL="0" rtl="0" algn="l">
+              <a:spcBef>
+                <a:spcPts val="0"/>
+              </a:spcBef>
+              <a:spcAft>
+                <a:spcPts val="0"/>
+              </a:spcAft>
+              <a:buNone/>
+            </a:pPr>
+            <a:r>
+              <a:t/>
+            </a:r>
+            <a:endParaRPr/>
+          </a:p>
+        </p:txBody>
+      </p:sp>
+    </p:spTree>
+  </p:cSld>
+  <p:clrMapOvr>
+    <a:masterClrMapping/>
+  </p:clrMapOvr>
+</p:notes>
+</file>
+
+<file path=ppt/notesSlides/notesSlide4.xml><?xml version="1.0" encoding="utf-8"?>
+<p:notes xmlns:a="http://schemas.openxmlformats.org/drawingml/2006/main" xmlns:r="http://schemas.openxmlformats.org/officeDocument/2006/relationships" xmlns:mc="http://schemas.openxmlformats.org/markup-compatibility/2006" xmlns:mv="urn:schemas-microsoft-com:mac:vml" xmlns:p="http://schemas.openxmlformats.org/presentationml/2006/main" xmlns:c="http://schemas.openxmlformats.org/drawingml/2006/chart" xmlns:dgm="http://schemas.openxmlformats.org/drawingml/2006/diagram" xmlns:o="urn:schemas-microsoft-com:office:office" xmlns:v="urn:schemas-microsoft-com:vml" xmlns:pvml="urn:schemas-microsoft-com:office:powerpoint" xmlns:com="http://schemas.openxmlformats.org/drawingml/2006/compatibility" xmlns:p14="http://schemas.microsoft.com/office/powerpoint/2010/main" xmlns:p15="http://schemas.microsoft.com/office/powerpoint/2012/main" xmlns:ahyp="http://schemas.microsoft.com/office/drawing/2018/hyperlinkcolor" showMasterPhAnim="0" showMasterSp="0">
+  <p:cSld>
+    <p:spTree>
+      <p:nvGrpSpPr>
+        <p:cNvPr id="79" name="Shape 79"/>
+        <p:cNvGrpSpPr/>
+        <p:nvPr/>
+      </p:nvGrpSpPr>
+      <p:grpSpPr>
+        <a:xfrm>
+          <a:off x="0" y="0"/>
+          <a:ext cx="0" cy="0"/>
+          <a:chOff x="0" y="0"/>
+          <a:chExt cx="0" cy="0"/>
+        </a:xfrm>
+      </p:grpSpPr>
+      <p:sp>
+        <p:nvSpPr>
+          <p:cNvPr id="80" name="Google Shape;80;g14b73f51a3d_0_0:notes"/>
+          <p:cNvSpPr/>
+          <p:nvPr>
+            <p:ph idx="2" type="sldImg"/>
+          </p:nvPr>
+        </p:nvSpPr>
+        <p:spPr>
+          <a:xfrm>
+            <a:off x="381188" y="685800"/>
+            <a:ext cx="6096300" cy="3429000"/>
+          </a:xfrm>
+          <a:custGeom>
+            <a:rect b="b" l="l" r="r" t="t"/>
+            <a:pathLst>
+              <a:path extrusionOk="0" h="120000" w="120000">
+                <a:moveTo>
+                  <a:pt x="0" y="0"/>
+                </a:moveTo>
+                <a:lnTo>
+                  <a:pt x="120000" y="0"/>
+                </a:lnTo>
+                <a:lnTo>
+                  <a:pt x="120000" y="120000"/>
+                </a:lnTo>
+                <a:lnTo>
+                  <a:pt x="0" y="120000"/>
+                </a:lnTo>
+                <a:close/>
+              </a:path>
+            </a:pathLst>
+          </a:custGeom>
+        </p:spPr>
+      </p:sp>
+      <p:sp>
+        <p:nvSpPr>
+          <p:cNvPr id="81" name="Google Shape;81;g14b73f51a3d_0_0:notes"/>
+          <p:cNvSpPr txBox="1"/>
+          <p:nvPr>
+            <p:ph idx="1" type="body"/>
+          </p:nvPr>
+        </p:nvSpPr>
+        <p:spPr>
+          <a:xfrm>
+            <a:off x="685800" y="4343400"/>
+            <a:ext cx="5486400" cy="4114800"/>
+          </a:xfrm>
+          <a:prstGeom prst="rect">
+            <a:avLst/>
+          </a:prstGeom>
+        </p:spPr>
+        <p:txBody>
+          <a:bodyPr anchorCtr="0" anchor="t" bIns="91425" lIns="91425" spcFirstLastPara="1" rIns="91425" wrap="square" tIns="91425">
+            <a:noAutofit/>
+          </a:bodyPr>
+          <a:lstStyle/>
+          <a:p>
+            <a:pPr indent="0" lvl="0" marL="0" rtl="0" algn="l">
+              <a:spcBef>
+                <a:spcPts val="0"/>
+              </a:spcBef>
+              <a:spcAft>
+                <a:spcPts val="0"/>
+              </a:spcAft>
+              <a:buNone/>
+            </a:pPr>
+            <a:r>
+              <a:t/>
+            </a:r>
+            <a:endParaRPr/>
+          </a:p>
+        </p:txBody>
+      </p:sp>
+    </p:spTree>
+  </p:cSld>
+  <p:clrMapOvr>
+    <a:masterClrMapping/>
+  </p:clrMapOvr>
+</p:notes>
+</file>
+
+<file path=ppt/notesSlides/notesSlide5.xml><?xml version="1.0" encoding="utf-8"?>
+<p:notes xmlns:a="http://schemas.openxmlformats.org/drawingml/2006/main" xmlns:r="http://schemas.openxmlformats.org/officeDocument/2006/relationships" xmlns:mc="http://schemas.openxmlformats.org/markup-compatibility/2006" xmlns:mv="urn:schemas-microsoft-com:mac:vml" xmlns:p="http://schemas.openxmlformats.org/presentationml/2006/main" xmlns:c="http://schemas.openxmlformats.org/drawingml/2006/chart" xmlns:dgm="http://schemas.openxmlformats.org/drawingml/2006/diagram" xmlns:o="urn:schemas-microsoft-com:office:office" xmlns:v="urn:schemas-microsoft-com:vml" xmlns:pvml="urn:schemas-microsoft-com:office:powerpoint" xmlns:com="http://schemas.openxmlformats.org/drawingml/2006/compatibility" xmlns:p14="http://schemas.microsoft.com/office/powerpoint/2010/main" xmlns:p15="http://schemas.microsoft.com/office/powerpoint/2012/main" xmlns:ahyp="http://schemas.microsoft.com/office/drawing/2018/hyperlinkcolor" showMasterPhAnim="0" showMasterSp="0">
+  <p:cSld>
+    <p:spTree>
+      <p:nvGrpSpPr>
+        <p:cNvPr id="85" name="Shape 85"/>
+        <p:cNvGrpSpPr/>
+        <p:nvPr/>
+      </p:nvGrpSpPr>
+      <p:grpSpPr>
+        <a:xfrm>
+          <a:off x="0" y="0"/>
+          <a:ext cx="0" cy="0"/>
+          <a:chOff x="0" y="0"/>
+          <a:chExt cx="0" cy="0"/>
+        </a:xfrm>
+      </p:grpSpPr>
+      <p:sp>
+        <p:nvSpPr>
+          <p:cNvPr id="86" name="Google Shape;86;g14b73f51a3d_0_19:notes"/>
+          <p:cNvSpPr/>
+          <p:nvPr>
+            <p:ph idx="2" type="sldImg"/>
+          </p:nvPr>
+        </p:nvSpPr>
+        <p:spPr>
+          <a:xfrm>
+            <a:off x="381188" y="685800"/>
+            <a:ext cx="6096300" cy="3429000"/>
+          </a:xfrm>
+          <a:custGeom>
+            <a:rect b="b" l="l" r="r" t="t"/>
+            <a:pathLst>
+              <a:path extrusionOk="0" h="120000" w="120000">
+                <a:moveTo>
+                  <a:pt x="0" y="0"/>
+                </a:moveTo>
+                <a:lnTo>
+                  <a:pt x="120000" y="0"/>
+                </a:lnTo>
+                <a:lnTo>
+                  <a:pt x="120000" y="120000"/>
+                </a:lnTo>
+                <a:lnTo>
+                  <a:pt x="0" y="120000"/>
+                </a:lnTo>
+                <a:close/>
+              </a:path>
+            </a:pathLst>
+          </a:custGeom>
+        </p:spPr>
+      </p:sp>
+      <p:sp>
+        <p:nvSpPr>
+          <p:cNvPr id="87" name="Google Shape;87;g14b73f51a3d_0_19:notes"/>
+          <p:cNvSpPr txBox="1"/>
+          <p:nvPr>
+            <p:ph idx="1" type="body"/>
+          </p:nvPr>
+        </p:nvSpPr>
+        <p:spPr>
+          <a:xfrm>
+            <a:off x="685800" y="4343400"/>
+            <a:ext cx="5486400" cy="4114800"/>
+          </a:xfrm>
+          <a:prstGeom prst="rect">
+            <a:avLst/>
+          </a:prstGeom>
+        </p:spPr>
+        <p:txBody>
+          <a:bodyPr anchorCtr="0" anchor="t" bIns="91425" lIns="91425" spcFirstLastPara="1" rIns="91425" wrap="square" tIns="91425">
+            <a:noAutofit/>
+          </a:bodyPr>
+          <a:lstStyle/>
+          <a:p>
+            <a:pPr indent="0" lvl="0" marL="0" rtl="0" algn="l">
+              <a:spcBef>
+                <a:spcPts val="0"/>
+              </a:spcBef>
+              <a:spcAft>
+                <a:spcPts val="0"/>
+              </a:spcAft>
+              <a:buNone/>
+            </a:pPr>
+            <a:r>
+              <a:t/>
+            </a:r>
+            <a:endParaRPr/>
+          </a:p>
+        </p:txBody>
+      </p:sp>
+    </p:spTree>
+  </p:cSld>
+  <p:clrMapOvr>
+    <a:masterClrMapping/>
+  </p:clrMapOvr>
+</p:notes>
+</file>
+
+<file path=ppt/notesSlides/notesSlide6.xml><?xml version="1.0" encoding="utf-8"?>
+<p:notes xmlns:a="http://schemas.openxmlformats.org/drawingml/2006/main" xmlns:r="http://schemas.openxmlformats.org/officeDocument/2006/relationships" xmlns:mc="http://schemas.openxmlformats.org/markup-compatibility/2006" xmlns:mv="urn:schemas-microsoft-com:mac:vml" xmlns:p="http://schemas.openxmlformats.org/presentationml/2006/main" xmlns:c="http://schemas.openxmlformats.org/drawingml/2006/chart" xmlns:dgm="http://schemas.openxmlformats.org/drawingml/2006/diagram" xmlns:o="urn:schemas-microsoft-com:office:office" xmlns:v="urn:schemas-microsoft-com:vml" xmlns:pvml="urn:schemas-microsoft-com:office:powerpoint" xmlns:com="http://schemas.openxmlformats.org/drawingml/2006/compatibility" xmlns:p14="http://schemas.microsoft.com/office/powerpoint/2010/main" xmlns:p15="http://schemas.microsoft.com/office/powerpoint/2012/main" xmlns:ahyp="http://schemas.microsoft.com/office/drawing/2018/hyperlinkcolor" showMasterPhAnim="0" showMasterSp="0">
+  <p:cSld>
+    <p:spTree>
+      <p:nvGrpSpPr>
+        <p:cNvPr id="92" name="Shape 92"/>
+        <p:cNvGrpSpPr/>
+        <p:nvPr/>
+      </p:nvGrpSpPr>
+      <p:grpSpPr>
+        <a:xfrm>
+          <a:off x="0" y="0"/>
+          <a:ext cx="0" cy="0"/>
+          <a:chOff x="0" y="0"/>
+          <a:chExt cx="0" cy="0"/>
+        </a:xfrm>
+      </p:grpSpPr>
+      <p:sp>
+        <p:nvSpPr>
+          <p:cNvPr id="93" name="Google Shape;93;g14b73f51a3d_0_24:notes"/>
+          <p:cNvSpPr/>
+          <p:nvPr>
+            <p:ph idx="2" type="sldImg"/>
+          </p:nvPr>
+        </p:nvSpPr>
+        <p:spPr>
+          <a:xfrm>
+            <a:off x="381188" y="685800"/>
+            <a:ext cx="6096300" cy="3429000"/>
+          </a:xfrm>
+          <a:custGeom>
+            <a:rect b="b" l="l" r="r" t="t"/>
+            <a:pathLst>
+              <a:path extrusionOk="0" h="120000" w="120000">
+                <a:moveTo>
+                  <a:pt x="0" y="0"/>
+                </a:moveTo>
+                <a:lnTo>
+                  <a:pt x="120000" y="0"/>
+                </a:lnTo>
+                <a:lnTo>
+                  <a:pt x="120000" y="120000"/>
+                </a:lnTo>
+                <a:lnTo>
+                  <a:pt x="0" y="120000"/>
+                </a:lnTo>
+                <a:close/>
+              </a:path>
+            </a:pathLst>
+          </a:custGeom>
+        </p:spPr>
+      </p:sp>
+      <p:sp>
+        <p:nvSpPr>
+          <p:cNvPr id="94" name="Google Shape;94;g14b73f51a3d_0_24:notes"/>
+          <p:cNvSpPr txBox="1"/>
+          <p:nvPr>
+            <p:ph idx="1" type="body"/>
+          </p:nvPr>
+        </p:nvSpPr>
+        <p:spPr>
+          <a:xfrm>
+            <a:off x="685800" y="4343400"/>
+            <a:ext cx="5486400" cy="4114800"/>
+          </a:xfrm>
+          <a:prstGeom prst="rect">
+            <a:avLst/>
+          </a:prstGeom>
+        </p:spPr>
+        <p:txBody>
+          <a:bodyPr anchorCtr="0" anchor="t" bIns="91425" lIns="91425" spcFirstLastPara="1" rIns="91425" wrap="square" tIns="91425">
+            <a:noAutofit/>
+          </a:bodyPr>
+          <a:lstStyle/>
+          <a:p>
+            <a:pPr indent="0" lvl="0" marL="0" rtl="0" algn="l">
+              <a:spcBef>
+                <a:spcPts val="0"/>
+              </a:spcBef>
+              <a:spcAft>
+                <a:spcPts val="0"/>
+              </a:spcAft>
+              <a:buNone/>
+            </a:pPr>
+            <a:r>
+              <a:t/>
+            </a:r>
+            <a:endParaRPr/>
+          </a:p>
+        </p:txBody>
+      </p:sp>
+    </p:spTree>
+  </p:cSld>
+  <p:clrMapOvr>
+    <a:masterClrMapping/>
+  </p:clrMapOvr>
+</p:notes>
+</file>
+
+<file path=ppt/notesSlides/notesSlide7.xml><?xml version="1.0" encoding="utf-8"?>
+<p:notes xmlns:a="http://schemas.openxmlformats.org/drawingml/2006/main" xmlns:r="http://schemas.openxmlformats.org/officeDocument/2006/relationships" xmlns:mc="http://schemas.openxmlformats.org/markup-compatibility/2006" xmlns:mv="urn:schemas-microsoft-com:mac:vml" xmlns:p="http://schemas.openxmlformats.org/presentationml/2006/main" xmlns:c="http://schemas.openxmlformats.org/drawingml/2006/chart" xmlns:dgm="http://schemas.openxmlformats.org/drawingml/2006/diagram" xmlns:o="urn:schemas-microsoft-com:office:office" xmlns:v="urn:schemas-microsoft-com:vml" xmlns:pvml="urn:schemas-microsoft-com:office:powerpoint" xmlns:com="http://schemas.openxmlformats.org/drawingml/2006/compatibility" xmlns:p14="http://schemas.microsoft.com/office/powerpoint/2010/main" xmlns:p15="http://schemas.microsoft.com/office/powerpoint/2012/main" xmlns:ahyp="http://schemas.microsoft.com/office/drawing/2018/hyperlinkcolor" showMasterPhAnim="0" showMasterSp="0">
+  <p:cSld>
+    <p:spTree>
+      <p:nvGrpSpPr>
+        <p:cNvPr id="99" name="Shape 99"/>
+        <p:cNvGrpSpPr/>
+        <p:nvPr/>
+      </p:nvGrpSpPr>
+      <p:grpSpPr>
+        <a:xfrm>
+          <a:off x="0" y="0"/>
+          <a:ext cx="0" cy="0"/>
+          <a:chOff x="0" y="0"/>
+          <a:chExt cx="0" cy="0"/>
+        </a:xfrm>
+      </p:grpSpPr>
+      <p:sp>
+        <p:nvSpPr>
+          <p:cNvPr id="100" name="Google Shape;100;g14b73f51a3d_0_29:notes"/>
+          <p:cNvSpPr/>
+          <p:nvPr>
+            <p:ph idx="2" type="sldImg"/>
+          </p:nvPr>
+        </p:nvSpPr>
+        <p:spPr>
+          <a:xfrm>
+            <a:off x="381188" y="685800"/>
+            <a:ext cx="6096300" cy="3429000"/>
+          </a:xfrm>
+          <a:custGeom>
+            <a:rect b="b" l="l" r="r" t="t"/>
+            <a:pathLst>
+              <a:path extrusionOk="0" h="120000" w="120000">
+                <a:moveTo>
+                  <a:pt x="0" y="0"/>
+                </a:moveTo>
+                <a:lnTo>
+                  <a:pt x="120000" y="0"/>
+                </a:lnTo>
+                <a:lnTo>
+                  <a:pt x="120000" y="120000"/>
+                </a:lnTo>
+                <a:lnTo>
+                  <a:pt x="0" y="120000"/>
+                </a:lnTo>
+                <a:close/>
+              </a:path>
+            </a:pathLst>
+          </a:custGeom>
+        </p:spPr>
+      </p:sp>
+      <p:sp>
+        <p:nvSpPr>
+          <p:cNvPr id="101" name="Google Shape;101;g14b73f51a3d_0_29:notes"/>
+          <p:cNvSpPr txBox="1"/>
+          <p:nvPr>
+            <p:ph idx="1" type="body"/>
+          </p:nvPr>
+        </p:nvSpPr>
+        <p:spPr>
+          <a:xfrm>
+            <a:off x="685800" y="4343400"/>
+            <a:ext cx="5486400" cy="4114800"/>
+          </a:xfrm>
+          <a:prstGeom prst="rect">
+            <a:avLst/>
+          </a:prstGeom>
+        </p:spPr>
+        <p:txBody>
+          <a:bodyPr anchorCtr="0" anchor="t" bIns="91425" lIns="91425" spcFirstLastPara="1" rIns="91425" wrap="square" tIns="91425">
+            <a:noAutofit/>
+          </a:bodyPr>
+          <a:lstStyle/>
+          <a:p>
+            <a:pPr indent="0" lvl="0" marL="0" rtl="0" algn="l">
+              <a:spcBef>
+                <a:spcPts val="0"/>
+              </a:spcBef>
+              <a:spcAft>
+                <a:spcPts val="0"/>
+              </a:spcAft>
+              <a:buNone/>
+            </a:pPr>
+            <a:r>
+              <a:t/>
+            </a:r>
+            <a:endParaRPr/>
+          </a:p>
+        </p:txBody>
+      </p:sp>
+    </p:spTree>
+  </p:cSld>
+  <p:clrMapOvr>
+    <a:masterClrMapping/>
+  </p:clrMapOvr>
+</p:notes>
+</file>
+
+<file path=ppt/notesSlides/notesSlide8.xml><?xml version="1.0" encoding="utf-8"?>
+<p:notes xmlns:a="http://schemas.openxmlformats.org/drawingml/2006/main" xmlns:r="http://schemas.openxmlformats.org/officeDocument/2006/relationships" xmlns:mc="http://schemas.openxmlformats.org/markup-compatibility/2006" xmlns:mv="urn:schemas-microsoft-com:mac:vml" xmlns:p="http://schemas.openxmlformats.org/presentationml/2006/main" xmlns:c="http://schemas.openxmlformats.org/drawingml/2006/chart" xmlns:dgm="http://schemas.openxmlformats.org/drawingml/2006/diagram" xmlns:o="urn:schemas-microsoft-com:office:office" xmlns:v="urn:schemas-microsoft-com:vml" xmlns:pvml="urn:schemas-microsoft-com:office:powerpoint" xmlns:com="http://schemas.openxmlformats.org/drawingml/2006/compatibility" xmlns:p14="http://schemas.microsoft.com/office/powerpoint/2010/main" xmlns:p15="http://schemas.microsoft.com/office/powerpoint/2012/main" xmlns:ahyp="http://schemas.microsoft.com/office/drawing/2018/hyperlinkcolor" showMasterPhAnim="0" showMasterSp="0">
+  <p:cSld>
+    <p:spTree>
+      <p:nvGrpSpPr>
+        <p:cNvPr id="105" name="Shape 105"/>
+        <p:cNvGrpSpPr/>
+        <p:nvPr/>
+      </p:nvGrpSpPr>
+      <p:grpSpPr>
+        <a:xfrm>
+          <a:off x="0" y="0"/>
+          <a:ext cx="0" cy="0"/>
+          <a:chOff x="0" y="0"/>
+          <a:chExt cx="0" cy="0"/>
+        </a:xfrm>
+      </p:grpSpPr>
+      <p:sp>
+        <p:nvSpPr>
+          <p:cNvPr id="106" name="Google Shape;106;g14b73f51a3d_0_47:notes"/>
+          <p:cNvSpPr/>
+          <p:nvPr>
+            <p:ph idx="2" type="sldImg"/>
+          </p:nvPr>
+        </p:nvSpPr>
+        <p:spPr>
+          <a:xfrm>
+            <a:off x="381188" y="685800"/>
+            <a:ext cx="6096300" cy="3429000"/>
+          </a:xfrm>
+          <a:custGeom>
+            <a:rect b="b" l="l" r="r" t="t"/>
+            <a:pathLst>
+              <a:path extrusionOk="0" h="120000" w="120000">
+                <a:moveTo>
+                  <a:pt x="0" y="0"/>
+                </a:moveTo>
+                <a:lnTo>
+                  <a:pt x="120000" y="0"/>
+                </a:lnTo>
+                <a:lnTo>
+                  <a:pt x="120000" y="120000"/>
+                </a:lnTo>
+                <a:lnTo>
+                  <a:pt x="0" y="120000"/>
+                </a:lnTo>
+                <a:close/>
+              </a:path>
+            </a:pathLst>
+          </a:custGeom>
+        </p:spPr>
+      </p:sp>
+      <p:sp>
+        <p:nvSpPr>
+          <p:cNvPr id="107" name="Google Shape;107;g14b73f51a3d_0_47:notes"/>
           <p:cNvSpPr txBox="1"/>
           <p:nvPr>
             <p:ph idx="1" type="body"/>
@@ -7210,7 +7710,1301 @@
 </p:sld>
 </file>
 
+<file path=ppt/slides/slide4.xml><?xml version="1.0" encoding="utf-8"?>
+<p:sld xmlns:a="http://schemas.openxmlformats.org/drawingml/2006/main" xmlns:r="http://schemas.openxmlformats.org/officeDocument/2006/relationships" xmlns:mc="http://schemas.openxmlformats.org/markup-compatibility/2006" xmlns:mv="urn:schemas-microsoft-com:mac:vml" xmlns:p="http://schemas.openxmlformats.org/presentationml/2006/main" xmlns:c="http://schemas.openxmlformats.org/drawingml/2006/chart" xmlns:dgm="http://schemas.openxmlformats.org/drawingml/2006/diagram" xmlns:o="urn:schemas-microsoft-com:office:office" xmlns:v="urn:schemas-microsoft-com:vml" xmlns:pvml="urn:schemas-microsoft-com:office:powerpoint" xmlns:com="http://schemas.openxmlformats.org/drawingml/2006/compatibility" xmlns:p14="http://schemas.microsoft.com/office/powerpoint/2010/main" xmlns:p15="http://schemas.microsoft.com/office/powerpoint/2012/main" xmlns:ahyp="http://schemas.microsoft.com/office/drawing/2018/hyperlinkcolor">
+  <p:cSld>
+    <p:spTree>
+      <p:nvGrpSpPr>
+        <p:cNvPr id="82" name="Shape 82"/>
+        <p:cNvGrpSpPr/>
+        <p:nvPr/>
+      </p:nvGrpSpPr>
+      <p:grpSpPr>
+        <a:xfrm>
+          <a:off x="0" y="0"/>
+          <a:ext cx="0" cy="0"/>
+          <a:chOff x="0" y="0"/>
+          <a:chExt cx="0" cy="0"/>
+        </a:xfrm>
+      </p:grpSpPr>
+      <p:sp>
+        <p:nvSpPr>
+          <p:cNvPr id="83" name="Google Shape;83;p16"/>
+          <p:cNvSpPr txBox="1"/>
+          <p:nvPr>
+            <p:ph type="title"/>
+          </p:nvPr>
+        </p:nvSpPr>
+        <p:spPr>
+          <a:xfrm>
+            <a:off x="311700" y="-48350"/>
+            <a:ext cx="8520600" cy="837600"/>
+          </a:xfrm>
+          <a:prstGeom prst="rect">
+            <a:avLst/>
+          </a:prstGeom>
+        </p:spPr>
+        <p:txBody>
+          <a:bodyPr anchorCtr="0" anchor="t" bIns="91425" lIns="91425" spcFirstLastPara="1" rIns="91425" wrap="square" tIns="91425">
+            <a:noAutofit/>
+          </a:bodyPr>
+          <a:lstStyle/>
+          <a:p>
+            <a:pPr indent="0" lvl="0" marL="0" rtl="0" algn="ctr">
+              <a:spcBef>
+                <a:spcPts val="0"/>
+              </a:spcBef>
+              <a:spcAft>
+                <a:spcPts val="0"/>
+              </a:spcAft>
+              <a:buNone/>
+            </a:pPr>
+            <a:r>
+              <a:rPr lang="en"/>
+              <a:t>Source: Slide 14</a:t>
+            </a:r>
+            <a:endParaRPr/>
+          </a:p>
+        </p:txBody>
+      </p:sp>
+      <p:pic>
+        <p:nvPicPr>
+          <p:cNvPr id="84" name="Google Shape;84;p16"/>
+          <p:cNvPicPr preferRelativeResize="0"/>
+          <p:nvPr/>
+        </p:nvPicPr>
+        <p:blipFill>
+          <a:blip r:embed="rId3">
+            <a:alphaModFix/>
+          </a:blip>
+          <a:stretch>
+            <a:fillRect/>
+          </a:stretch>
+        </p:blipFill>
+        <p:spPr>
+          <a:xfrm>
+            <a:off x="802950" y="474375"/>
+            <a:ext cx="7302849" cy="4554399"/>
+          </a:xfrm>
+          <a:prstGeom prst="rect">
+            <a:avLst/>
+          </a:prstGeom>
+          <a:noFill/>
+          <a:ln>
+            <a:noFill/>
+          </a:ln>
+        </p:spPr>
+      </p:pic>
+    </p:spTree>
+  </p:cSld>
+  <p:clrMapOvr>
+    <a:masterClrMapping/>
+  </p:clrMapOvr>
+</p:sld>
+</file>
+
+<file path=ppt/slides/slide5.xml><?xml version="1.0" encoding="utf-8"?>
+<p:sld xmlns:a="http://schemas.openxmlformats.org/drawingml/2006/main" xmlns:r="http://schemas.openxmlformats.org/officeDocument/2006/relationships" xmlns:mc="http://schemas.openxmlformats.org/markup-compatibility/2006" xmlns:mv="urn:schemas-microsoft-com:mac:vml" xmlns:p="http://schemas.openxmlformats.org/presentationml/2006/main" xmlns:c="http://schemas.openxmlformats.org/drawingml/2006/chart" xmlns:dgm="http://schemas.openxmlformats.org/drawingml/2006/diagram" xmlns:o="urn:schemas-microsoft-com:office:office" xmlns:v="urn:schemas-microsoft-com:vml" xmlns:pvml="urn:schemas-microsoft-com:office:powerpoint" xmlns:com="http://schemas.openxmlformats.org/drawingml/2006/compatibility" xmlns:p14="http://schemas.microsoft.com/office/powerpoint/2010/main" xmlns:p15="http://schemas.microsoft.com/office/powerpoint/2012/main" xmlns:ahyp="http://schemas.microsoft.com/office/drawing/2018/hyperlinkcolor">
+  <p:cSld>
+    <p:spTree>
+      <p:nvGrpSpPr>
+        <p:cNvPr id="88" name="Shape 88"/>
+        <p:cNvGrpSpPr/>
+        <p:nvPr/>
+      </p:nvGrpSpPr>
+      <p:grpSpPr>
+        <a:xfrm>
+          <a:off x="0" y="0"/>
+          <a:ext cx="0" cy="0"/>
+          <a:chOff x="0" y="0"/>
+          <a:chExt cx="0" cy="0"/>
+        </a:xfrm>
+      </p:grpSpPr>
+      <p:sp>
+        <p:nvSpPr>
+          <p:cNvPr id="89" name="Google Shape;89;p17"/>
+          <p:cNvSpPr txBox="1"/>
+          <p:nvPr>
+            <p:ph type="title"/>
+          </p:nvPr>
+        </p:nvSpPr>
+        <p:spPr>
+          <a:xfrm>
+            <a:off x="311700" y="-48350"/>
+            <a:ext cx="8520600" cy="837600"/>
+          </a:xfrm>
+          <a:prstGeom prst="rect">
+            <a:avLst/>
+          </a:prstGeom>
+        </p:spPr>
+        <p:txBody>
+          <a:bodyPr anchorCtr="0" anchor="t" bIns="91425" lIns="91425" spcFirstLastPara="1" rIns="91425" wrap="square" tIns="91425">
+            <a:noAutofit/>
+          </a:bodyPr>
+          <a:lstStyle/>
+          <a:p>
+            <a:pPr indent="0" lvl="0" marL="0" rtl="0" algn="ctr">
+              <a:spcBef>
+                <a:spcPts val="0"/>
+              </a:spcBef>
+              <a:spcAft>
+                <a:spcPts val="0"/>
+              </a:spcAft>
+              <a:buNone/>
+            </a:pPr>
+            <a:r>
+              <a:rPr lang="en"/>
+              <a:t>Source: Slide 16</a:t>
+            </a:r>
+            <a:endParaRPr/>
+          </a:p>
+        </p:txBody>
+      </p:sp>
+      <p:sp>
+        <p:nvSpPr>
+          <p:cNvPr id="90" name="Google Shape;90;p17"/>
+          <p:cNvSpPr txBox="1"/>
+          <p:nvPr/>
+        </p:nvSpPr>
+        <p:spPr>
+          <a:xfrm>
+            <a:off x="311700" y="655200"/>
+            <a:ext cx="7303800" cy="2413500"/>
+          </a:xfrm>
+          <a:prstGeom prst="rect">
+            <a:avLst/>
+          </a:prstGeom>
+          <a:noFill/>
+          <a:ln>
+            <a:noFill/>
+          </a:ln>
+        </p:spPr>
+        <p:txBody>
+          <a:bodyPr anchorCtr="0" anchor="t" bIns="91425" lIns="91425" spcFirstLastPara="1" rIns="91425" wrap="square" tIns="91425">
+            <a:spAutoFit/>
+          </a:bodyPr>
+          <a:lstStyle/>
+          <a:p>
+            <a:pPr indent="0" lvl="0" marL="0" rtl="0" algn="l">
+              <a:lnSpc>
+                <a:spcPct val="115000"/>
+              </a:lnSpc>
+              <a:spcBef>
+                <a:spcPts val="0"/>
+              </a:spcBef>
+              <a:spcAft>
+                <a:spcPts val="0"/>
+              </a:spcAft>
+              <a:buNone/>
+            </a:pPr>
+            <a:r>
+              <a:rPr lang="en" sz="1600">
+                <a:solidFill>
+                  <a:schemeClr val="dk1"/>
+                </a:solidFill>
+                <a:latin typeface="Oswald"/>
+                <a:ea typeface="Oswald"/>
+                <a:cs typeface="Oswald"/>
+                <a:sym typeface="Oswald"/>
+              </a:rPr>
+              <a:t>Smarter grids’ – 5G KPI The key requirements of smarter grids for communications networks are as follows:  </a:t>
+            </a:r>
+            <a:endParaRPr sz="1600">
+              <a:solidFill>
+                <a:schemeClr val="dk1"/>
+              </a:solidFill>
+              <a:latin typeface="Oswald"/>
+              <a:ea typeface="Oswald"/>
+              <a:cs typeface="Oswald"/>
+              <a:sym typeface="Oswald"/>
+            </a:endParaRPr>
+          </a:p>
+          <a:p>
+            <a:pPr indent="-330200" lvl="0" marL="457200" rtl="0" algn="l">
+              <a:lnSpc>
+                <a:spcPct val="115000"/>
+              </a:lnSpc>
+              <a:spcBef>
+                <a:spcPts val="0"/>
+              </a:spcBef>
+              <a:spcAft>
+                <a:spcPts val="0"/>
+              </a:spcAft>
+              <a:buClr>
+                <a:schemeClr val="dk1"/>
+              </a:buClr>
+              <a:buSzPts val="1600"/>
+              <a:buFont typeface="Oswald"/>
+              <a:buChar char="●"/>
+            </a:pPr>
+            <a:r>
+              <a:rPr lang="en" sz="1600">
+                <a:solidFill>
+                  <a:schemeClr val="dk1"/>
+                </a:solidFill>
+                <a:latin typeface="Oswald"/>
+                <a:ea typeface="Oswald"/>
+                <a:cs typeface="Oswald"/>
+                <a:sym typeface="Oswald"/>
+              </a:rPr>
+              <a:t>Massive access: millions of to tens of millions of terminals  </a:t>
+            </a:r>
+            <a:endParaRPr sz="1600">
+              <a:solidFill>
+                <a:schemeClr val="dk1"/>
+              </a:solidFill>
+              <a:latin typeface="Oswald"/>
+              <a:ea typeface="Oswald"/>
+              <a:cs typeface="Oswald"/>
+              <a:sym typeface="Oswald"/>
+            </a:endParaRPr>
+          </a:p>
+          <a:p>
+            <a:pPr indent="-330200" lvl="0" marL="457200" rtl="0" algn="l">
+              <a:lnSpc>
+                <a:spcPct val="115000"/>
+              </a:lnSpc>
+              <a:spcBef>
+                <a:spcPts val="0"/>
+              </a:spcBef>
+              <a:spcAft>
+                <a:spcPts val="0"/>
+              </a:spcAft>
+              <a:buClr>
+                <a:schemeClr val="dk1"/>
+              </a:buClr>
+              <a:buSzPts val="1600"/>
+              <a:buFont typeface="Oswald"/>
+              <a:buChar char="●"/>
+            </a:pPr>
+            <a:r>
+              <a:rPr lang="en" sz="1600">
+                <a:solidFill>
+                  <a:schemeClr val="dk1"/>
+                </a:solidFill>
+                <a:latin typeface="Oswald"/>
+                <a:ea typeface="Oswald"/>
+                <a:cs typeface="Oswald"/>
+                <a:sym typeface="Oswald"/>
+              </a:rPr>
+              <a:t>Low latency: Distributed power supply management includes uplink data collection and downlink control. Downlink control flows require second-level latency.  </a:t>
+            </a:r>
+            <a:endParaRPr sz="1600">
+              <a:solidFill>
+                <a:schemeClr val="dk1"/>
+              </a:solidFill>
+              <a:latin typeface="Oswald"/>
+              <a:ea typeface="Oswald"/>
+              <a:cs typeface="Oswald"/>
+              <a:sym typeface="Oswald"/>
+            </a:endParaRPr>
+          </a:p>
+          <a:p>
+            <a:pPr indent="-330200" lvl="0" marL="457200" rtl="0" algn="l">
+              <a:lnSpc>
+                <a:spcPct val="115000"/>
+              </a:lnSpc>
+              <a:spcBef>
+                <a:spcPts val="0"/>
+              </a:spcBef>
+              <a:spcAft>
+                <a:spcPts val="0"/>
+              </a:spcAft>
+              <a:buClr>
+                <a:schemeClr val="dk1"/>
+              </a:buClr>
+              <a:buSzPts val="1600"/>
+              <a:buFont typeface="Oswald"/>
+              <a:buChar char="●"/>
+            </a:pPr>
+            <a:r>
+              <a:rPr lang="en" sz="1600">
+                <a:solidFill>
+                  <a:schemeClr val="dk1"/>
+                </a:solidFill>
+                <a:latin typeface="Oswald"/>
+                <a:ea typeface="Oswald"/>
+                <a:cs typeface="Oswald"/>
+                <a:sym typeface="Oswald"/>
+              </a:rPr>
+              <a:t>High reliability: 99.999%  </a:t>
+            </a:r>
+            <a:endParaRPr sz="1600">
+              <a:solidFill>
+                <a:schemeClr val="dk1"/>
+              </a:solidFill>
+              <a:latin typeface="Oswald"/>
+              <a:ea typeface="Oswald"/>
+              <a:cs typeface="Oswald"/>
+              <a:sym typeface="Oswald"/>
+            </a:endParaRPr>
+          </a:p>
+          <a:p>
+            <a:pPr indent="-330200" lvl="0" marL="457200" rtl="0" algn="l">
+              <a:lnSpc>
+                <a:spcPct val="115000"/>
+              </a:lnSpc>
+              <a:spcBef>
+                <a:spcPts val="0"/>
+              </a:spcBef>
+              <a:spcAft>
+                <a:spcPts val="0"/>
+              </a:spcAft>
+              <a:buClr>
+                <a:schemeClr val="dk1"/>
+              </a:buClr>
+              <a:buSzPts val="1600"/>
+              <a:buFont typeface="Oswald"/>
+              <a:buChar char="●"/>
+            </a:pPr>
+            <a:r>
+              <a:rPr lang="en" sz="1600">
+                <a:solidFill>
+                  <a:schemeClr val="dk1"/>
+                </a:solidFill>
+                <a:latin typeface="Oswald"/>
+                <a:ea typeface="Oswald"/>
+                <a:cs typeface="Oswald"/>
+                <a:sym typeface="Oswald"/>
+              </a:rPr>
+              <a:t>High security </a:t>
+            </a:r>
+            <a:endParaRPr sz="1600">
+              <a:solidFill>
+                <a:schemeClr val="dk1"/>
+              </a:solidFill>
+              <a:latin typeface="Oswald"/>
+              <a:ea typeface="Oswald"/>
+              <a:cs typeface="Oswald"/>
+              <a:sym typeface="Oswald"/>
+            </a:endParaRPr>
+          </a:p>
+          <a:p>
+            <a:pPr indent="-330200" lvl="0" marL="457200" rtl="0" algn="l">
+              <a:lnSpc>
+                <a:spcPct val="115000"/>
+              </a:lnSpc>
+              <a:spcBef>
+                <a:spcPts val="0"/>
+              </a:spcBef>
+              <a:spcAft>
+                <a:spcPts val="0"/>
+              </a:spcAft>
+              <a:buClr>
+                <a:schemeClr val="dk1"/>
+              </a:buClr>
+              <a:buSzPts val="1600"/>
+              <a:buFont typeface="Oswald"/>
+              <a:buChar char="●"/>
+            </a:pPr>
+            <a:r>
+              <a:rPr lang="en" sz="1600">
+                <a:solidFill>
+                  <a:schemeClr val="dk1"/>
+                </a:solidFill>
+                <a:latin typeface="Oswald"/>
+                <a:ea typeface="Oswald"/>
+                <a:cs typeface="Oswald"/>
+                <a:sym typeface="Oswald"/>
+              </a:rPr>
+              <a:t>Extended battery life</a:t>
+            </a:r>
+            <a:endParaRPr sz="1600">
+              <a:solidFill>
+                <a:schemeClr val="dk1"/>
+              </a:solidFill>
+              <a:latin typeface="Oswald"/>
+              <a:ea typeface="Oswald"/>
+              <a:cs typeface="Oswald"/>
+              <a:sym typeface="Oswald"/>
+            </a:endParaRPr>
+          </a:p>
+        </p:txBody>
+      </p:sp>
+      <p:pic>
+        <p:nvPicPr>
+          <p:cNvPr id="91" name="Google Shape;91;p17"/>
+          <p:cNvPicPr preferRelativeResize="0"/>
+          <p:nvPr/>
+        </p:nvPicPr>
+        <p:blipFill>
+          <a:blip r:embed="rId3">
+            <a:alphaModFix/>
+          </a:blip>
+          <a:stretch>
+            <a:fillRect/>
+          </a:stretch>
+        </p:blipFill>
+        <p:spPr>
+          <a:xfrm>
+            <a:off x="3236475" y="2317500"/>
+            <a:ext cx="5760050" cy="2691401"/>
+          </a:xfrm>
+          <a:prstGeom prst="rect">
+            <a:avLst/>
+          </a:prstGeom>
+          <a:noFill/>
+          <a:ln>
+            <a:noFill/>
+          </a:ln>
+        </p:spPr>
+      </p:pic>
+    </p:spTree>
+  </p:cSld>
+  <p:clrMapOvr>
+    <a:masterClrMapping/>
+  </p:clrMapOvr>
+</p:sld>
+</file>
+
+<file path=ppt/slides/slide6.xml><?xml version="1.0" encoding="utf-8"?>
+<p:sld xmlns:a="http://schemas.openxmlformats.org/drawingml/2006/main" xmlns:r="http://schemas.openxmlformats.org/officeDocument/2006/relationships" xmlns:mc="http://schemas.openxmlformats.org/markup-compatibility/2006" xmlns:mv="urn:schemas-microsoft-com:mac:vml" xmlns:p="http://schemas.openxmlformats.org/presentationml/2006/main" xmlns:c="http://schemas.openxmlformats.org/drawingml/2006/chart" xmlns:dgm="http://schemas.openxmlformats.org/drawingml/2006/diagram" xmlns:o="urn:schemas-microsoft-com:office:office" xmlns:v="urn:schemas-microsoft-com:vml" xmlns:pvml="urn:schemas-microsoft-com:office:powerpoint" xmlns:com="http://schemas.openxmlformats.org/drawingml/2006/compatibility" xmlns:p14="http://schemas.microsoft.com/office/powerpoint/2010/main" xmlns:p15="http://schemas.microsoft.com/office/powerpoint/2012/main" xmlns:ahyp="http://schemas.microsoft.com/office/drawing/2018/hyperlinkcolor">
+  <p:cSld>
+    <p:spTree>
+      <p:nvGrpSpPr>
+        <p:cNvPr id="95" name="Shape 95"/>
+        <p:cNvGrpSpPr/>
+        <p:nvPr/>
+      </p:nvGrpSpPr>
+      <p:grpSpPr>
+        <a:xfrm>
+          <a:off x="0" y="0"/>
+          <a:ext cx="0" cy="0"/>
+          <a:chOff x="0" y="0"/>
+          <a:chExt cx="0" cy="0"/>
+        </a:xfrm>
+      </p:grpSpPr>
+      <p:sp>
+        <p:nvSpPr>
+          <p:cNvPr id="96" name="Google Shape;96;p18"/>
+          <p:cNvSpPr txBox="1"/>
+          <p:nvPr>
+            <p:ph type="title"/>
+          </p:nvPr>
+        </p:nvSpPr>
+        <p:spPr>
+          <a:xfrm>
+            <a:off x="311700" y="-48350"/>
+            <a:ext cx="8520600" cy="837600"/>
+          </a:xfrm>
+          <a:prstGeom prst="rect">
+            <a:avLst/>
+          </a:prstGeom>
+        </p:spPr>
+        <p:txBody>
+          <a:bodyPr anchorCtr="0" anchor="t" bIns="91425" lIns="91425" spcFirstLastPara="1" rIns="91425" wrap="square" tIns="91425">
+            <a:noAutofit/>
+          </a:bodyPr>
+          <a:lstStyle/>
+          <a:p>
+            <a:pPr indent="0" lvl="0" marL="0" rtl="0" algn="ctr">
+              <a:spcBef>
+                <a:spcPts val="0"/>
+              </a:spcBef>
+              <a:spcAft>
+                <a:spcPts val="0"/>
+              </a:spcAft>
+              <a:buNone/>
+            </a:pPr>
+            <a:r>
+              <a:rPr lang="en"/>
+              <a:t>Source: Slide 17</a:t>
+            </a:r>
+            <a:endParaRPr/>
+          </a:p>
+        </p:txBody>
+      </p:sp>
+      <p:sp>
+        <p:nvSpPr>
+          <p:cNvPr id="97" name="Google Shape;97;p18"/>
+          <p:cNvSpPr txBox="1"/>
+          <p:nvPr/>
+        </p:nvSpPr>
+        <p:spPr>
+          <a:xfrm>
+            <a:off x="199075" y="474200"/>
+            <a:ext cx="7303800" cy="1563900"/>
+          </a:xfrm>
+          <a:prstGeom prst="rect">
+            <a:avLst/>
+          </a:prstGeom>
+          <a:noFill/>
+          <a:ln>
+            <a:noFill/>
+          </a:ln>
+        </p:spPr>
+        <p:txBody>
+          <a:bodyPr anchorCtr="0" anchor="t" bIns="91425" lIns="91425" spcFirstLastPara="1" rIns="91425" wrap="square" tIns="91425">
+            <a:spAutoFit/>
+          </a:bodyPr>
+          <a:lstStyle/>
+          <a:p>
+            <a:pPr indent="0" lvl="0" marL="0" rtl="0" algn="l">
+              <a:lnSpc>
+                <a:spcPct val="115000"/>
+              </a:lnSpc>
+              <a:spcBef>
+                <a:spcPts val="0"/>
+              </a:spcBef>
+              <a:spcAft>
+                <a:spcPts val="0"/>
+              </a:spcAft>
+              <a:buNone/>
+            </a:pPr>
+            <a:r>
+              <a:rPr lang="en" sz="1600">
+                <a:solidFill>
+                  <a:schemeClr val="dk1"/>
+                </a:solidFill>
+                <a:latin typeface="Oswald"/>
+                <a:ea typeface="Oswald"/>
+                <a:cs typeface="Oswald"/>
+                <a:sym typeface="Oswald"/>
+              </a:rPr>
+              <a:t>Smarter’ Grid's Multi-Slice Architecture </a:t>
+            </a:r>
+            <a:endParaRPr sz="1600">
+              <a:solidFill>
+                <a:schemeClr val="dk1"/>
+              </a:solidFill>
+              <a:latin typeface="Oswald"/>
+              <a:ea typeface="Oswald"/>
+              <a:cs typeface="Oswald"/>
+              <a:sym typeface="Oswald"/>
+            </a:endParaRPr>
+          </a:p>
+          <a:p>
+            <a:pPr indent="0" lvl="0" marL="0" rtl="0" algn="l">
+              <a:lnSpc>
+                <a:spcPct val="115000"/>
+              </a:lnSpc>
+              <a:spcBef>
+                <a:spcPts val="0"/>
+              </a:spcBef>
+              <a:spcAft>
+                <a:spcPts val="0"/>
+              </a:spcAft>
+              <a:buNone/>
+            </a:pPr>
+            <a:r>
+              <a:rPr lang="en" sz="1600">
+                <a:solidFill>
+                  <a:schemeClr val="dk1"/>
+                </a:solidFill>
+                <a:latin typeface="Oswald"/>
+                <a:ea typeface="Oswald"/>
+                <a:cs typeface="Oswald"/>
+                <a:sym typeface="Oswald"/>
+              </a:rPr>
+              <a:t>The diversity of power grid services requires a flexible and orchestrated network, high reliability requires isolated networks, and millisecond-level ultra-low latency requires networks with optimal capabilities. A network slice consists of multiple sub-domains and involves the management plane, control plane, and user plane.</a:t>
+            </a:r>
+            <a:endParaRPr sz="1600">
+              <a:solidFill>
+                <a:schemeClr val="dk1"/>
+              </a:solidFill>
+              <a:latin typeface="Oswald"/>
+              <a:ea typeface="Oswald"/>
+              <a:cs typeface="Oswald"/>
+              <a:sym typeface="Oswald"/>
+            </a:endParaRPr>
+          </a:p>
+        </p:txBody>
+      </p:sp>
+      <p:pic>
+        <p:nvPicPr>
+          <p:cNvPr id="98" name="Google Shape;98;p18"/>
+          <p:cNvPicPr preferRelativeResize="0"/>
+          <p:nvPr/>
+        </p:nvPicPr>
+        <p:blipFill>
+          <a:blip r:embed="rId3">
+            <a:alphaModFix/>
+          </a:blip>
+          <a:stretch>
+            <a:fillRect/>
+          </a:stretch>
+        </p:blipFill>
+        <p:spPr>
+          <a:xfrm>
+            <a:off x="3085700" y="2174100"/>
+            <a:ext cx="5392546" cy="2800600"/>
+          </a:xfrm>
+          <a:prstGeom prst="rect">
+            <a:avLst/>
+          </a:prstGeom>
+          <a:noFill/>
+          <a:ln>
+            <a:noFill/>
+          </a:ln>
+        </p:spPr>
+      </p:pic>
+    </p:spTree>
+  </p:cSld>
+  <p:clrMapOvr>
+    <a:masterClrMapping/>
+  </p:clrMapOvr>
+</p:sld>
+</file>
+
+<file path=ppt/slides/slide7.xml><?xml version="1.0" encoding="utf-8"?>
+<p:sld xmlns:a="http://schemas.openxmlformats.org/drawingml/2006/main" xmlns:r="http://schemas.openxmlformats.org/officeDocument/2006/relationships" xmlns:mc="http://schemas.openxmlformats.org/markup-compatibility/2006" xmlns:mv="urn:schemas-microsoft-com:mac:vml" xmlns:p="http://schemas.openxmlformats.org/presentationml/2006/main" xmlns:c="http://schemas.openxmlformats.org/drawingml/2006/chart" xmlns:dgm="http://schemas.openxmlformats.org/drawingml/2006/diagram" xmlns:o="urn:schemas-microsoft-com:office:office" xmlns:v="urn:schemas-microsoft-com:vml" xmlns:pvml="urn:schemas-microsoft-com:office:powerpoint" xmlns:com="http://schemas.openxmlformats.org/drawingml/2006/compatibility" xmlns:p14="http://schemas.microsoft.com/office/powerpoint/2010/main" xmlns:p15="http://schemas.microsoft.com/office/powerpoint/2012/main" xmlns:ahyp="http://schemas.microsoft.com/office/drawing/2018/hyperlinkcolor">
+  <p:cSld>
+    <p:spTree>
+      <p:nvGrpSpPr>
+        <p:cNvPr id="102" name="Shape 102"/>
+        <p:cNvGrpSpPr/>
+        <p:nvPr/>
+      </p:nvGrpSpPr>
+      <p:grpSpPr>
+        <a:xfrm>
+          <a:off x="0" y="0"/>
+          <a:ext cx="0" cy="0"/>
+          <a:chOff x="0" y="0"/>
+          <a:chExt cx="0" cy="0"/>
+        </a:xfrm>
+      </p:grpSpPr>
+      <p:sp>
+        <p:nvSpPr>
+          <p:cNvPr id="103" name="Google Shape;103;p19"/>
+          <p:cNvSpPr txBox="1"/>
+          <p:nvPr>
+            <p:ph type="title"/>
+          </p:nvPr>
+        </p:nvSpPr>
+        <p:spPr>
+          <a:xfrm>
+            <a:off x="311700" y="-48350"/>
+            <a:ext cx="8520600" cy="837600"/>
+          </a:xfrm>
+          <a:prstGeom prst="rect">
+            <a:avLst/>
+          </a:prstGeom>
+        </p:spPr>
+        <p:txBody>
+          <a:bodyPr anchorCtr="0" anchor="t" bIns="91425" lIns="91425" spcFirstLastPara="1" rIns="91425" wrap="square" tIns="91425">
+            <a:noAutofit/>
+          </a:bodyPr>
+          <a:lstStyle/>
+          <a:p>
+            <a:pPr indent="0" lvl="0" marL="0" rtl="0" algn="ctr">
+              <a:spcBef>
+                <a:spcPts val="0"/>
+              </a:spcBef>
+              <a:spcAft>
+                <a:spcPts val="0"/>
+              </a:spcAft>
+              <a:buNone/>
+            </a:pPr>
+            <a:r>
+              <a:rPr lang="en" sz="1600"/>
+              <a:t>Source: Slide 19</a:t>
+            </a:r>
+            <a:endParaRPr sz="1600"/>
+          </a:p>
+        </p:txBody>
+      </p:sp>
+      <p:sp>
+        <p:nvSpPr>
+          <p:cNvPr id="104" name="Google Shape;104;p19"/>
+          <p:cNvSpPr txBox="1"/>
+          <p:nvPr/>
+        </p:nvSpPr>
+        <p:spPr>
+          <a:xfrm>
+            <a:off x="98300" y="393300"/>
+            <a:ext cx="7923300" cy="2979900"/>
+          </a:xfrm>
+          <a:prstGeom prst="rect">
+            <a:avLst/>
+          </a:prstGeom>
+          <a:noFill/>
+          <a:ln>
+            <a:noFill/>
+          </a:ln>
+        </p:spPr>
+        <p:txBody>
+          <a:bodyPr anchorCtr="0" anchor="t" bIns="91425" lIns="91425" spcFirstLastPara="1" rIns="91425" wrap="square" tIns="91425">
+            <a:spAutoFit/>
+          </a:bodyPr>
+          <a:lstStyle/>
+          <a:p>
+            <a:pPr indent="0" lvl="0" marL="0" rtl="0" algn="l">
+              <a:lnSpc>
+                <a:spcPct val="115000"/>
+              </a:lnSpc>
+              <a:spcBef>
+                <a:spcPts val="0"/>
+              </a:spcBef>
+              <a:spcAft>
+                <a:spcPts val="0"/>
+              </a:spcAft>
+              <a:buNone/>
+            </a:pPr>
+            <a:r>
+              <a:rPr lang="en" sz="1600">
+                <a:solidFill>
+                  <a:schemeClr val="dk1"/>
+                </a:solidFill>
+                <a:latin typeface="Oswald"/>
+                <a:ea typeface="Oswald"/>
+                <a:cs typeface="Oswald"/>
+                <a:sym typeface="Oswald"/>
+              </a:rPr>
+              <a:t>5G Local Edge Processing  </a:t>
+            </a:r>
+            <a:endParaRPr sz="1600">
+              <a:solidFill>
+                <a:schemeClr val="dk1"/>
+              </a:solidFill>
+              <a:latin typeface="Oswald"/>
+              <a:ea typeface="Oswald"/>
+              <a:cs typeface="Oswald"/>
+              <a:sym typeface="Oswald"/>
+            </a:endParaRPr>
+          </a:p>
+          <a:p>
+            <a:pPr indent="-330200" lvl="0" marL="457200" rtl="0" algn="l">
+              <a:lnSpc>
+                <a:spcPct val="115000"/>
+              </a:lnSpc>
+              <a:spcBef>
+                <a:spcPts val="0"/>
+              </a:spcBef>
+              <a:spcAft>
+                <a:spcPts val="0"/>
+              </a:spcAft>
+              <a:buClr>
+                <a:schemeClr val="dk1"/>
+              </a:buClr>
+              <a:buSzPts val="1600"/>
+              <a:buFont typeface="Oswald"/>
+              <a:buChar char="●"/>
+            </a:pPr>
+            <a:r>
+              <a:rPr lang="en" sz="1600">
+                <a:solidFill>
+                  <a:schemeClr val="dk1"/>
+                </a:solidFill>
+                <a:latin typeface="Oswald"/>
+                <a:ea typeface="Oswald"/>
+                <a:cs typeface="Oswald"/>
+                <a:sym typeface="Oswald"/>
+              </a:rPr>
+              <a:t>Edge computing allows data produced by intelligent sensor devices in the power grid to be processed closer to where it is created instead of sending it across long routes to data centers or clouds.  </a:t>
+            </a:r>
+            <a:endParaRPr sz="1600">
+              <a:solidFill>
+                <a:schemeClr val="dk1"/>
+              </a:solidFill>
+              <a:latin typeface="Oswald"/>
+              <a:ea typeface="Oswald"/>
+              <a:cs typeface="Oswald"/>
+              <a:sym typeface="Oswald"/>
+            </a:endParaRPr>
+          </a:p>
+          <a:p>
+            <a:pPr indent="-330200" lvl="0" marL="457200" rtl="0" algn="l">
+              <a:lnSpc>
+                <a:spcPct val="115000"/>
+              </a:lnSpc>
+              <a:spcBef>
+                <a:spcPts val="0"/>
+              </a:spcBef>
+              <a:spcAft>
+                <a:spcPts val="0"/>
+              </a:spcAft>
+              <a:buClr>
+                <a:schemeClr val="dk1"/>
+              </a:buClr>
+              <a:buSzPts val="1600"/>
+              <a:buFont typeface="Oswald"/>
+              <a:buChar char="●"/>
+            </a:pPr>
+            <a:r>
+              <a:rPr lang="en" sz="1600">
+                <a:solidFill>
+                  <a:schemeClr val="dk1"/>
+                </a:solidFill>
+                <a:latin typeface="Oswald"/>
+                <a:ea typeface="Oswald"/>
+                <a:cs typeface="Oswald"/>
+                <a:sym typeface="Oswald"/>
+              </a:rPr>
+              <a:t>This enables the storage and preprocessing of IEDs which have poor connectivity and thus cannot afford constant connection to a central cloud.  </a:t>
+            </a:r>
+            <a:endParaRPr sz="1600">
+              <a:solidFill>
+                <a:schemeClr val="dk1"/>
+              </a:solidFill>
+              <a:latin typeface="Oswald"/>
+              <a:ea typeface="Oswald"/>
+              <a:cs typeface="Oswald"/>
+              <a:sym typeface="Oswald"/>
+            </a:endParaRPr>
+          </a:p>
+          <a:p>
+            <a:pPr indent="-330200" lvl="0" marL="457200" rtl="0" algn="l">
+              <a:lnSpc>
+                <a:spcPct val="115000"/>
+              </a:lnSpc>
+              <a:spcBef>
+                <a:spcPts val="0"/>
+              </a:spcBef>
+              <a:spcAft>
+                <a:spcPts val="0"/>
+              </a:spcAft>
+              <a:buClr>
+                <a:schemeClr val="dk1"/>
+              </a:buClr>
+              <a:buSzPts val="1600"/>
+              <a:buFont typeface="Oswald"/>
+              <a:buChar char="●"/>
+            </a:pPr>
+            <a:r>
+              <a:rPr lang="en" sz="1600">
+                <a:solidFill>
+                  <a:schemeClr val="dk1"/>
+                </a:solidFill>
+                <a:latin typeface="Oswald"/>
+                <a:ea typeface="Oswald"/>
+                <a:cs typeface="Oswald"/>
+                <a:sym typeface="Oswald"/>
+              </a:rPr>
+              <a:t>Another use cases have to do with latency-sensitive processing of information which reduces latency because data does not have to traverse over a network to a data center or cloud for processing.  </a:t>
+            </a:r>
+            <a:endParaRPr sz="1600">
+              <a:solidFill>
+                <a:schemeClr val="dk1"/>
+              </a:solidFill>
+              <a:latin typeface="Oswald"/>
+              <a:ea typeface="Oswald"/>
+              <a:cs typeface="Oswald"/>
+              <a:sym typeface="Oswald"/>
+            </a:endParaRPr>
+          </a:p>
+          <a:p>
+            <a:pPr indent="-330200" lvl="0" marL="457200" rtl="0" algn="l">
+              <a:lnSpc>
+                <a:spcPct val="115000"/>
+              </a:lnSpc>
+              <a:spcBef>
+                <a:spcPts val="0"/>
+              </a:spcBef>
+              <a:spcAft>
+                <a:spcPts val="0"/>
+              </a:spcAft>
+              <a:buClr>
+                <a:schemeClr val="dk1"/>
+              </a:buClr>
+              <a:buSzPts val="1600"/>
+              <a:buFont typeface="Oswald"/>
+              <a:buChar char="●"/>
+            </a:pPr>
+            <a:r>
+              <a:rPr lang="en" sz="1600">
+                <a:solidFill>
+                  <a:schemeClr val="dk1"/>
+                </a:solidFill>
+                <a:latin typeface="Oswald"/>
+                <a:ea typeface="Oswald"/>
+                <a:cs typeface="Oswald"/>
+                <a:sym typeface="Oswald"/>
+              </a:rPr>
+              <a:t>This is ideal for situations where latencies of milliseconds can be untenable, such as alarms.</a:t>
+            </a:r>
+            <a:endParaRPr sz="1600">
+              <a:solidFill>
+                <a:schemeClr val="dk1"/>
+              </a:solidFill>
+              <a:latin typeface="Oswald"/>
+              <a:ea typeface="Oswald"/>
+              <a:cs typeface="Oswald"/>
+              <a:sym typeface="Oswald"/>
+            </a:endParaRPr>
+          </a:p>
+        </p:txBody>
+      </p:sp>
+    </p:spTree>
+  </p:cSld>
+  <p:clrMapOvr>
+    <a:masterClrMapping/>
+  </p:clrMapOvr>
+</p:sld>
+</file>
+
+<file path=ppt/slides/slide8.xml><?xml version="1.0" encoding="utf-8"?>
+<p:sld xmlns:a="http://schemas.openxmlformats.org/drawingml/2006/main" xmlns:r="http://schemas.openxmlformats.org/officeDocument/2006/relationships" xmlns:mc="http://schemas.openxmlformats.org/markup-compatibility/2006" xmlns:mv="urn:schemas-microsoft-com:mac:vml" xmlns:p="http://schemas.openxmlformats.org/presentationml/2006/main" xmlns:c="http://schemas.openxmlformats.org/drawingml/2006/chart" xmlns:dgm="http://schemas.openxmlformats.org/drawingml/2006/diagram" xmlns:o="urn:schemas-microsoft-com:office:office" xmlns:v="urn:schemas-microsoft-com:vml" xmlns:pvml="urn:schemas-microsoft-com:office:powerpoint" xmlns:com="http://schemas.openxmlformats.org/drawingml/2006/compatibility" xmlns:p14="http://schemas.microsoft.com/office/powerpoint/2010/main" xmlns:p15="http://schemas.microsoft.com/office/powerpoint/2012/main" xmlns:ahyp="http://schemas.microsoft.com/office/drawing/2018/hyperlinkcolor">
+  <p:cSld>
+    <p:spTree>
+      <p:nvGrpSpPr>
+        <p:cNvPr id="108" name="Shape 108"/>
+        <p:cNvGrpSpPr/>
+        <p:nvPr/>
+      </p:nvGrpSpPr>
+      <p:grpSpPr>
+        <a:xfrm>
+          <a:off x="0" y="0"/>
+          <a:ext cx="0" cy="0"/>
+          <a:chOff x="0" y="0"/>
+          <a:chExt cx="0" cy="0"/>
+        </a:xfrm>
+      </p:grpSpPr>
+      <p:sp>
+        <p:nvSpPr>
+          <p:cNvPr id="109" name="Google Shape;109;p20"/>
+          <p:cNvSpPr txBox="1"/>
+          <p:nvPr>
+            <p:ph type="title"/>
+          </p:nvPr>
+        </p:nvSpPr>
+        <p:spPr>
+          <a:xfrm>
+            <a:off x="311700" y="-48350"/>
+            <a:ext cx="8520600" cy="837600"/>
+          </a:xfrm>
+          <a:prstGeom prst="rect">
+            <a:avLst/>
+          </a:prstGeom>
+        </p:spPr>
+        <p:txBody>
+          <a:bodyPr anchorCtr="0" anchor="t" bIns="91425" lIns="91425" spcFirstLastPara="1" rIns="91425" wrap="square" tIns="91425">
+            <a:noAutofit/>
+          </a:bodyPr>
+          <a:lstStyle/>
+          <a:p>
+            <a:pPr indent="0" lvl="0" marL="0" rtl="0" algn="ctr">
+              <a:spcBef>
+                <a:spcPts val="0"/>
+              </a:spcBef>
+              <a:spcAft>
+                <a:spcPts val="0"/>
+              </a:spcAft>
+              <a:buNone/>
+            </a:pPr>
+            <a:r>
+              <a:rPr lang="en" sz="1600"/>
+              <a:t>Source: Slide 19</a:t>
+            </a:r>
+            <a:endParaRPr sz="1600"/>
+          </a:p>
+        </p:txBody>
+      </p:sp>
+      <p:pic>
+        <p:nvPicPr>
+          <p:cNvPr id="110" name="Google Shape;110;p20"/>
+          <p:cNvPicPr preferRelativeResize="0"/>
+          <p:nvPr/>
+        </p:nvPicPr>
+        <p:blipFill>
+          <a:blip r:embed="rId3">
+            <a:alphaModFix/>
+          </a:blip>
+          <a:stretch>
+            <a:fillRect/>
+          </a:stretch>
+        </p:blipFill>
+        <p:spPr>
+          <a:xfrm>
+            <a:off x="0" y="636625"/>
+            <a:ext cx="9144001" cy="4216400"/>
+          </a:xfrm>
+          <a:prstGeom prst="rect">
+            <a:avLst/>
+          </a:prstGeom>
+          <a:noFill/>
+          <a:ln>
+            <a:noFill/>
+          </a:ln>
+        </p:spPr>
+      </p:pic>
+    </p:spTree>
+  </p:cSld>
+  <p:clrMapOvr>
+    <a:masterClrMapping/>
+  </p:clrMapOvr>
+</p:sld>
+</file>
+
 <file path=ppt/theme/theme1.xml><?xml version="1.0" encoding="utf-8"?>
+<a:theme xmlns:a="http://schemas.openxmlformats.org/drawingml/2006/main" xmlns:r="http://schemas.openxmlformats.org/officeDocument/2006/relationships">
+  <a:themeElements>
+    <a:clrScheme name="Default">
+      <a:dk1>
+        <a:srgbClr val="000000"/>
+      </a:dk1>
+      <a:lt1>
+        <a:srgbClr val="FFFFFF"/>
+      </a:lt1>
+      <a:dk2>
+        <a:srgbClr val="158158"/>
+      </a:dk2>
+      <a:lt2>
+        <a:srgbClr val="F3F3F3"/>
+      </a:lt2>
+      <a:accent1>
+        <a:srgbClr val="058DC7"/>
+      </a:accent1>
+      <a:accent2>
+        <a:srgbClr val="50B432"/>
+      </a:accent2>
+      <a:accent3>
+        <a:srgbClr val="ED561B"/>
+      </a:accent3>
+      <a:accent4>
+        <a:srgbClr val="EDEF00"/>
+      </a:accent4>
+      <a:accent5>
+        <a:srgbClr val="24CBE5"/>
+      </a:accent5>
+      <a:accent6>
+        <a:srgbClr val="64E572"/>
+      </a:accent6>
+      <a:hlink>
+        <a:srgbClr val="2200CC"/>
+      </a:hlink>
+      <a:folHlink>
+        <a:srgbClr val="551A8B"/>
+      </a:folHlink>
+    </a:clrScheme>
+    <a:fontScheme name="Office">
+      <a:majorFont>
+        <a:latin typeface="Arial"/>
+        <a:ea typeface=""/>
+        <a:cs typeface=""/>
+        <a:font script="Jpan" typeface="ＭＳ Ｐゴシック"/>
+        <a:font script="Hang" typeface="맑은 고딕"/>
+        <a:font script="Hans" typeface="宋体"/>
+        <a:font script="Hant" typeface="新細明體"/>
+        <a:font script="Arab" typeface="Times New Roman"/>
+        <a:font script="Hebr" typeface="Times New Roman"/>
+        <a:font script="Thai" typeface="Angsana New"/>
+        <a:font script="Ethi" typeface="Nyala"/>
+        <a:font script="Beng" typeface="Vrinda"/>
+        <a:font script="Gujr" typeface="Shruti"/>
+        <a:font script="Khmr" typeface="MoolBoran"/>
+        <a:font script="Knda" typeface="Tunga"/>
+        <a:font script="Guru" typeface="Raavi"/>
+        <a:font script="Cans" typeface="Euphemia"/>
+        <a:font script="Cher" typeface="Plantagenet Cherokee"/>
+        <a:font script="Yiii" typeface="Microsoft Yi Baiti"/>
+        <a:font script="Tibt" typeface="Microsoft Himalaya"/>
+        <a:font script="Thaa" typeface="MV Boli"/>
+        <a:font script="Deva" typeface="Mangal"/>
+        <a:font script="Telu" typeface="Gautami"/>
+        <a:font script="Taml" typeface="Latha"/>
+        <a:font script="Syrc" typeface="Estrangelo Edessa"/>
+        <a:font script="Orya" typeface="Kalinga"/>
+        <a:font script="Mlym" typeface="Kartika"/>
+        <a:font script="Laoo" typeface="DokChampa"/>
+        <a:font script="Sinh" typeface="Iskoola Pota"/>
+        <a:font script="Mong" typeface="Mongolian Baiti"/>
+        <a:font script="Viet" typeface="Times New Roman"/>
+        <a:font script="Uigh" typeface="Microsoft Uighur"/>
+        <a:font script="Geor" typeface="Sylfaen"/>
+      </a:majorFont>
+      <a:minorFont>
+        <a:latin typeface="Arial"/>
+        <a:ea typeface=""/>
+        <a:cs typeface=""/>
+        <a:font script="Jpan" typeface="ＭＳ Ｐゴシック"/>
+        <a:font script="Hang" typeface="맑은 고딕"/>
+        <a:font script="Hans" typeface="宋体"/>
+        <a:font script="Hant" typeface="新細明體"/>
+        <a:font script="Arab" typeface="Arial"/>
+        <a:font script="Hebr" typeface="Arial"/>
+        <a:font script="Thai" typeface="Cordia New"/>
+        <a:font script="Ethi" typeface="Nyala"/>
+        <a:font script="Beng" typeface="Vrinda"/>
+        <a:font script="Gujr" typeface="Shruti"/>
+        <a:font script="Khmr" typeface="DaunPenh"/>
+        <a:font script="Knda" typeface="Tunga"/>
+        <a:font script="Guru" typeface="Raavi"/>
+        <a:font script="Cans" typeface="Euphemia"/>
+        <a:font script="Cher" typeface="Plantagenet Cherokee"/>
+        <a:font script="Yiii" typeface="Microsoft Yi Baiti"/>
+        <a:font script="Tibt" typeface="Microsoft Himalaya"/>
+        <a:font script="Thaa" typeface="MV Boli"/>
+        <a:font script="Deva" typeface="Mangal"/>
+        <a:font script="Telu" typeface="Gautami"/>
+        <a:font script="Taml" typeface="Latha"/>
+        <a:font script="Syrc" typeface="Estrangelo Edessa"/>
+        <a:font script="Orya" typeface="Kalinga"/>
+        <a:font script="Mlym" typeface="Kartika"/>
+        <a:font script="Laoo" typeface="DokChampa"/>
+        <a:font script="Sinh" typeface="Iskoola Pota"/>
+        <a:font script="Mong" typeface="Mongolian Baiti"/>
+        <a:font script="Viet" typeface="Arial"/>
+        <a:font script="Uigh" typeface="Microsoft Uighur"/>
+        <a:font script="Geor" typeface="Sylfaen"/>
+      </a:minorFont>
+    </a:fontScheme>
+    <a:fmtScheme name="Office">
+      <a:fillStyleLst>
+        <a:solidFill>
+          <a:schemeClr val="phClr"/>
+        </a:solidFill>
+        <a:gradFill rotWithShape="1">
+          <a:gsLst>
+            <a:gs pos="0">
+              <a:schemeClr val="phClr">
+                <a:tint val="50000"/>
+                <a:satMod val="300000"/>
+              </a:schemeClr>
+            </a:gs>
+            <a:gs pos="35000">
+              <a:schemeClr val="phClr">
+                <a:tint val="37000"/>
+                <a:satMod val="300000"/>
+              </a:schemeClr>
+            </a:gs>
+            <a:gs pos="100000">
+              <a:schemeClr val="phClr">
+                <a:tint val="15000"/>
+                <a:satMod val="350000"/>
+              </a:schemeClr>
+            </a:gs>
+          </a:gsLst>
+          <a:lin ang="16200000" scaled="1"/>
+        </a:gradFill>
+        <a:gradFill rotWithShape="1">
+          <a:gsLst>
+            <a:gs pos="0">
+              <a:schemeClr val="phClr">
+                <a:tint val="100000"/>
+                <a:shade val="100000"/>
+                <a:satMod val="130000"/>
+              </a:schemeClr>
+            </a:gs>
+            <a:gs pos="100000">
+              <a:schemeClr val="phClr">
+                <a:tint val="50000"/>
+                <a:shade val="100000"/>
+                <a:satMod val="350000"/>
+              </a:schemeClr>
+            </a:gs>
+          </a:gsLst>
+          <a:lin ang="16200000" scaled="0"/>
+        </a:gradFill>
+      </a:fillStyleLst>
+      <a:lnStyleLst>
+        <a:ln w="9525" cap="flat" cmpd="sng" algn="ctr">
+          <a:solidFill>
+            <a:schemeClr val="phClr">
+              <a:shade val="95000"/>
+              <a:satMod val="105000"/>
+            </a:schemeClr>
+          </a:solidFill>
+          <a:prstDash val="solid"/>
+        </a:ln>
+        <a:ln w="25400" cap="flat" cmpd="sng" algn="ctr">
+          <a:solidFill>
+            <a:schemeClr val="phClr"/>
+          </a:solidFill>
+          <a:prstDash val="solid"/>
+        </a:ln>
+        <a:ln w="38100" cap="flat" cmpd="sng" algn="ctr">
+          <a:solidFill>
+            <a:schemeClr val="phClr"/>
+          </a:solidFill>
+          <a:prstDash val="solid"/>
+        </a:ln>
+      </a:lnStyleLst>
+      <a:effectStyleLst>
+        <a:effectStyle>
+          <a:effectLst>
+            <a:outerShdw blurRad="40000" dist="20000" dir="5400000" rotWithShape="0">
+              <a:srgbClr val="000000">
+                <a:alpha val="38000"/>
+              </a:srgbClr>
+            </a:outerShdw>
+          </a:effectLst>
+        </a:effectStyle>
+        <a:effectStyle>
+          <a:effectLst>
+            <a:outerShdw blurRad="40000" dist="23000" dir="5400000" rotWithShape="0">
+              <a:srgbClr val="000000">
+                <a:alpha val="35000"/>
+              </a:srgbClr>
+            </a:outerShdw>
+          </a:effectLst>
+        </a:effectStyle>
+        <a:effectStyle>
+          <a:effectLst>
+            <a:outerShdw blurRad="40000" dist="23000" dir="5400000" rotWithShape="0">
+              <a:srgbClr val="000000">
+                <a:alpha val="35000"/>
+              </a:srgbClr>
+            </a:outerShdw>
+          </a:effectLst>
+          <a:scene3d>
+            <a:camera prst="orthographicFront">
+              <a:rot lat="0" lon="0" rev="0"/>
+            </a:camera>
+            <a:lightRig rig="threePt" dir="t">
+              <a:rot lat="0" lon="0" rev="1200000"/>
+            </a:lightRig>
+          </a:scene3d>
+          <a:sp3d>
+            <a:bevelT w="63500" h="25400"/>
+          </a:sp3d>
+        </a:effectStyle>
+      </a:effectStyleLst>
+      <a:bgFillStyleLst>
+        <a:solidFill>
+          <a:schemeClr val="phClr"/>
+        </a:solidFill>
+        <a:gradFill rotWithShape="1">
+          <a:gsLst>
+            <a:gs pos="0">
+              <a:schemeClr val="phClr">
+                <a:tint val="40000"/>
+                <a:satMod val="350000"/>
+              </a:schemeClr>
+            </a:gs>
+            <a:gs pos="40000">
+              <a:schemeClr val="phClr">
+                <a:tint val="45000"/>
+                <a:shade val="99000"/>
+                <a:satMod val="350000"/>
+              </a:schemeClr>
+            </a:gs>
+            <a:gs pos="100000">
+              <a:schemeClr val="phClr">
+                <a:shade val="20000"/>
+                <a:satMod val="255000"/>
+              </a:schemeClr>
+            </a:gs>
+          </a:gsLst>
+          <a:path path="circle">
+            <a:fillToRect l="50000" t="-80000" r="50000" b="180000"/>
+          </a:path>
+        </a:gradFill>
+        <a:gradFill rotWithShape="1">
+          <a:gsLst>
+            <a:gs pos="0">
+              <a:schemeClr val="phClr">
+                <a:tint val="80000"/>
+                <a:satMod val="300000"/>
+              </a:schemeClr>
+            </a:gs>
+            <a:gs pos="100000">
+              <a:schemeClr val="phClr">
+                <a:shade val="30000"/>
+                <a:satMod val="200000"/>
+              </a:schemeClr>
+            </a:gs>
+          </a:gsLst>
+          <a:path path="circle">
+            <a:fillToRect l="50000" t="50000" r="50000" b="50000"/>
+          </a:path>
+        </a:gradFill>
+      </a:bgFillStyleLst>
+    </a:fmtScheme>
+  </a:themeElements>
+</a:theme>
+</file>
+
+<file path=ppt/theme/theme2.xml><?xml version="1.0" encoding="utf-8"?>
 <a:theme xmlns:a="http://schemas.openxmlformats.org/drawingml/2006/main" xmlns:r="http://schemas.openxmlformats.org/officeDocument/2006/relationships" name="Slate">
   <a:themeElements>
     <a:clrScheme name="Slate">
@@ -7487,283 +9281,4 @@
     </a:fmtScheme>
   </a:themeElements>
 </a:theme>
-</file>
-
-<file path=ppt/theme/theme2.xml><?xml version="1.0" encoding="utf-8"?>
-<a:theme xmlns:a="http://schemas.openxmlformats.org/drawingml/2006/main" xmlns:r="http://schemas.openxmlformats.org/officeDocument/2006/relationships">
-  <a:themeElements>
-    <a:clrScheme name="Default">
-      <a:dk1>
-        <a:srgbClr val="000000"/>
-      </a:dk1>
-      <a:lt1>
-        <a:srgbClr val="FFFFFF"/>
-      </a:lt1>
-      <a:dk2>
-        <a:srgbClr val="158158"/>
-      </a:dk2>
-      <a:lt2>
-        <a:srgbClr val="F3F3F3"/>
-      </a:lt2>
-      <a:accent1>
-        <a:srgbClr val="058DC7"/>
-      </a:accent1>
-      <a:accent2>
-        <a:srgbClr val="50B432"/>
-      </a:accent2>
-      <a:accent3>
-        <a:srgbClr val="ED561B"/>
-      </a:accent3>
-      <a:accent4>
-        <a:srgbClr val="EDEF00"/>
-      </a:accent4>
-      <a:accent5>
-        <a:srgbClr val="24CBE5"/>
-      </a:accent5>
-      <a:accent6>
-        <a:srgbClr val="64E572"/>
-      </a:accent6>
-      <a:hlink>
-        <a:srgbClr val="2200CC"/>
-      </a:hlink>
-      <a:folHlink>
-        <a:srgbClr val="551A8B"/>
-      </a:folHlink>
-    </a:clrScheme>
-    <a:fontScheme name="Office">
-      <a:majorFont>
-        <a:latin typeface="Arial"/>
-        <a:ea typeface=""/>
-        <a:cs typeface=""/>
-        <a:font script="Jpan" typeface="ＭＳ Ｐゴシック"/>
-        <a:font script="Hang" typeface="맑은 고딕"/>
-        <a:font script="Hans" typeface="宋体"/>
-        <a:font script="Hant" typeface="新細明體"/>
-        <a:font script="Arab" typeface="Times New Roman"/>
-        <a:font script="Hebr" typeface="Times New Roman"/>
-        <a:font script="Thai" typeface="Angsana New"/>
-        <a:font script="Ethi" typeface="Nyala"/>
-        <a:font script="Beng" typeface="Vrinda"/>
-        <a:font script="Gujr" typeface="Shruti"/>
-        <a:font script="Khmr" typeface="MoolBoran"/>
-        <a:font script="Knda" typeface="Tunga"/>
-        <a:font script="Guru" typeface="Raavi"/>
-        <a:font script="Cans" typeface="Euphemia"/>
-        <a:font script="Cher" typeface="Plantagenet Cherokee"/>
-        <a:font script="Yiii" typeface="Microsoft Yi Baiti"/>
-        <a:font script="Tibt" typeface="Microsoft Himalaya"/>
-        <a:font script="Thaa" typeface="MV Boli"/>
-        <a:font script="Deva" typeface="Mangal"/>
-        <a:font script="Telu" typeface="Gautami"/>
-        <a:font script="Taml" typeface="Latha"/>
-        <a:font script="Syrc" typeface="Estrangelo Edessa"/>
-        <a:font script="Orya" typeface="Kalinga"/>
-        <a:font script="Mlym" typeface="Kartika"/>
-        <a:font script="Laoo" typeface="DokChampa"/>
-        <a:font script="Sinh" typeface="Iskoola Pota"/>
-        <a:font script="Mong" typeface="Mongolian Baiti"/>
-        <a:font script="Viet" typeface="Times New Roman"/>
-        <a:font script="Uigh" typeface="Microsoft Uighur"/>
-        <a:font script="Geor" typeface="Sylfaen"/>
-      </a:majorFont>
-      <a:minorFont>
-        <a:latin typeface="Arial"/>
-        <a:ea typeface=""/>
-        <a:cs typeface=""/>
-        <a:font script="Jpan" typeface="ＭＳ Ｐゴシック"/>
-        <a:font script="Hang" typeface="맑은 고딕"/>
-        <a:font script="Hans" typeface="宋体"/>
-        <a:font script="Hant" typeface="新細明體"/>
-        <a:font script="Arab" typeface="Arial"/>
-        <a:font script="Hebr" typeface="Arial"/>
-        <a:font script="Thai" typeface="Cordia New"/>
-        <a:font script="Ethi" typeface="Nyala"/>
-        <a:font script="Beng" typeface="Vrinda"/>
-        <a:font script="Gujr" typeface="Shruti"/>
-        <a:font script="Khmr" typeface="DaunPenh"/>
-        <a:font script="Knda" typeface="Tunga"/>
-        <a:font script="Guru" typeface="Raavi"/>
-        <a:font script="Cans" typeface="Euphemia"/>
-        <a:font script="Cher" typeface="Plantagenet Cherokee"/>
-        <a:font script="Yiii" typeface="Microsoft Yi Baiti"/>
-        <a:font script="Tibt" typeface="Microsoft Himalaya"/>
-        <a:font script="Thaa" typeface="MV Boli"/>
-        <a:font script="Deva" typeface="Mangal"/>
-        <a:font script="Telu" typeface="Gautami"/>
-        <a:font script="Taml" typeface="Latha"/>
-        <a:font script="Syrc" typeface="Estrangelo Edessa"/>
-        <a:font script="Orya" typeface="Kalinga"/>
-        <a:font script="Mlym" typeface="Kartika"/>
-        <a:font script="Laoo" typeface="DokChampa"/>
-        <a:font script="Sinh" typeface="Iskoola Pota"/>
-        <a:font script="Mong" typeface="Mongolian Baiti"/>
-        <a:font script="Viet" typeface="Arial"/>
-        <a:font script="Uigh" typeface="Microsoft Uighur"/>
-        <a:font script="Geor" typeface="Sylfaen"/>
-      </a:minorFont>
-    </a:fontScheme>
-    <a:fmtScheme name="Office">
-      <a:fillStyleLst>
-        <a:solidFill>
-          <a:schemeClr val="phClr"/>
-        </a:solidFill>
-        <a:gradFill rotWithShape="1">
-          <a:gsLst>
-            <a:gs pos="0">
-              <a:schemeClr val="phClr">
-                <a:tint val="50000"/>
-                <a:satMod val="300000"/>
-              </a:schemeClr>
-            </a:gs>
-            <a:gs pos="35000">
-              <a:schemeClr val="phClr">
-                <a:tint val="37000"/>
-                <a:satMod val="300000"/>
-              </a:schemeClr>
-            </a:gs>
-            <a:gs pos="100000">
-              <a:schemeClr val="phClr">
-                <a:tint val="15000"/>
-                <a:satMod val="350000"/>
-              </a:schemeClr>
-            </a:gs>
-          </a:gsLst>
-          <a:lin ang="16200000" scaled="1"/>
-        </a:gradFill>
-        <a:gradFill rotWithShape="1">
-          <a:gsLst>
-            <a:gs pos="0">
-              <a:schemeClr val="phClr">
-                <a:tint val="100000"/>
-                <a:shade val="100000"/>
-                <a:satMod val="130000"/>
-              </a:schemeClr>
-            </a:gs>
-            <a:gs pos="100000">
-              <a:schemeClr val="phClr">
-                <a:tint val="50000"/>
-                <a:shade val="100000"/>
-                <a:satMod val="350000"/>
-              </a:schemeClr>
-            </a:gs>
-          </a:gsLst>
-          <a:lin ang="16200000" scaled="0"/>
-        </a:gradFill>
-      </a:fillStyleLst>
-      <a:lnStyleLst>
-        <a:ln w="9525" cap="flat" cmpd="sng" algn="ctr">
-          <a:solidFill>
-            <a:schemeClr val="phClr">
-              <a:shade val="95000"/>
-              <a:satMod val="105000"/>
-            </a:schemeClr>
-          </a:solidFill>
-          <a:prstDash val="solid"/>
-        </a:ln>
-        <a:ln w="25400" cap="flat" cmpd="sng" algn="ctr">
-          <a:solidFill>
-            <a:schemeClr val="phClr"/>
-          </a:solidFill>
-          <a:prstDash val="solid"/>
-        </a:ln>
-        <a:ln w="38100" cap="flat" cmpd="sng" algn="ctr">
-          <a:solidFill>
-            <a:schemeClr val="phClr"/>
-          </a:solidFill>
-          <a:prstDash val="solid"/>
-        </a:ln>
-      </a:lnStyleLst>
-      <a:effectStyleLst>
-        <a:effectStyle>
-          <a:effectLst>
-            <a:outerShdw blurRad="40000" dist="20000" dir="5400000" rotWithShape="0">
-              <a:srgbClr val="000000">
-                <a:alpha val="38000"/>
-              </a:srgbClr>
-            </a:outerShdw>
-          </a:effectLst>
-        </a:effectStyle>
-        <a:effectStyle>
-          <a:effectLst>
-            <a:outerShdw blurRad="40000" dist="23000" dir="5400000" rotWithShape="0">
-              <a:srgbClr val="000000">
-                <a:alpha val="35000"/>
-              </a:srgbClr>
-            </a:outerShdw>
-          </a:effectLst>
-        </a:effectStyle>
-        <a:effectStyle>
-          <a:effectLst>
-            <a:outerShdw blurRad="40000" dist="23000" dir="5400000" rotWithShape="0">
-              <a:srgbClr val="000000">
-                <a:alpha val="35000"/>
-              </a:srgbClr>
-            </a:outerShdw>
-          </a:effectLst>
-          <a:scene3d>
-            <a:camera prst="orthographicFront">
-              <a:rot lat="0" lon="0" rev="0"/>
-            </a:camera>
-            <a:lightRig rig="threePt" dir="t">
-              <a:rot lat="0" lon="0" rev="1200000"/>
-            </a:lightRig>
-          </a:scene3d>
-          <a:sp3d>
-            <a:bevelT w="63500" h="25400"/>
-          </a:sp3d>
-        </a:effectStyle>
-      </a:effectStyleLst>
-      <a:bgFillStyleLst>
-        <a:solidFill>
-          <a:schemeClr val="phClr"/>
-        </a:solidFill>
-        <a:gradFill rotWithShape="1">
-          <a:gsLst>
-            <a:gs pos="0">
-              <a:schemeClr val="phClr">
-                <a:tint val="40000"/>
-                <a:satMod val="350000"/>
-              </a:schemeClr>
-            </a:gs>
-            <a:gs pos="40000">
-              <a:schemeClr val="phClr">
-                <a:tint val="45000"/>
-                <a:shade val="99000"/>
-                <a:satMod val="350000"/>
-              </a:schemeClr>
-            </a:gs>
-            <a:gs pos="100000">
-              <a:schemeClr val="phClr">
-                <a:shade val="20000"/>
-                <a:satMod val="255000"/>
-              </a:schemeClr>
-            </a:gs>
-          </a:gsLst>
-          <a:path path="circle">
-            <a:fillToRect l="50000" t="-80000" r="50000" b="180000"/>
-          </a:path>
-        </a:gradFill>
-        <a:gradFill rotWithShape="1">
-          <a:gsLst>
-            <a:gs pos="0">
-              <a:schemeClr val="phClr">
-                <a:tint val="80000"/>
-                <a:satMod val="300000"/>
-              </a:schemeClr>
-            </a:gs>
-            <a:gs pos="100000">
-              <a:schemeClr val="phClr">
-                <a:shade val="30000"/>
-                <a:satMod val="200000"/>
-              </a:schemeClr>
-            </a:gs>
-          </a:gsLst>
-          <a:path path="circle">
-            <a:fillToRect l="50000" t="50000" r="50000" b="50000"/>
-          </a:path>
-        </a:gradFill>
-      </a:bgFillStyleLst>
-    </a:fmtScheme>
-  </a:themeElements>
-</a:theme>
 </file>